--- a/python-data/slides/05_netcdf_overview.pptx
+++ b/python-data/slides/05_netcdf_overview.pptx
@@ -264,7 +264,7 @@
               <a:pPr>
                 <a:defRPr/>
               </a:pPr>
-              <a:t>09/10/2018</a:t>
+              <a:t>28/02/2023</a:t>
             </a:fld>
             <a:endParaRPr lang="en-GB" dirty="0"/>
           </a:p>
@@ -300,7 +300,7 @@
           <a:lstStyle/>
           <a:p>
             <a:pPr lvl="0"/>
-            <a:endParaRPr lang="en-GB" noProof="0" smtClean="0"/>
+            <a:endParaRPr lang="en-GB" noProof="0"/>
           </a:p>
         </p:txBody>
       </p:sp>
@@ -329,38 +329,38 @@
           <a:p>
             <a:pPr lvl="0"/>
             <a:r>
-              <a:rPr lang="en-US" noProof="0" smtClean="0"/>
+              <a:rPr lang="en-US" noProof="0"/>
               <a:t>Click to edit Master text styles</a:t>
             </a:r>
           </a:p>
           <a:p>
             <a:pPr lvl="1"/>
             <a:r>
-              <a:rPr lang="en-US" noProof="0" smtClean="0"/>
+              <a:rPr lang="en-US" noProof="0"/>
               <a:t>Second level</a:t>
             </a:r>
           </a:p>
           <a:p>
             <a:pPr lvl="2"/>
             <a:r>
-              <a:rPr lang="en-US" noProof="0" smtClean="0"/>
+              <a:rPr lang="en-US" noProof="0"/>
               <a:t>Third level</a:t>
             </a:r>
           </a:p>
           <a:p>
             <a:pPr lvl="3"/>
             <a:r>
-              <a:rPr lang="en-US" noProof="0" smtClean="0"/>
+              <a:rPr lang="en-US" noProof="0"/>
               <a:t>Fourth level</a:t>
             </a:r>
           </a:p>
           <a:p>
             <a:pPr lvl="4"/>
             <a:r>
-              <a:rPr lang="en-US" noProof="0" smtClean="0"/>
+              <a:rPr lang="en-US" noProof="0"/>
               <a:t>Fifth level</a:t>
             </a:r>
-            <a:endParaRPr lang="en-GB" noProof="0" smtClean="0"/>
+            <a:endParaRPr lang="en-GB" noProof="0"/>
           </a:p>
         </p:txBody>
       </p:sp>
@@ -790,7 +790,7 @@
           </a:lstStyle>
           <a:p>
             <a:r>
-              <a:rPr lang="en-US" smtClean="0"/>
+              <a:rPr lang="en-US"/>
               <a:t>Click to edit Master title style</a:t>
             </a:r>
             <a:endParaRPr lang="en-US" dirty="0"/>
@@ -866,7 +866,7 @@
           </a:lstStyle>
           <a:p>
             <a:r>
-              <a:rPr lang="en-US" smtClean="0"/>
+              <a:rPr lang="en-US"/>
               <a:t>Click to edit Master subtitle style</a:t>
             </a:r>
             <a:endParaRPr lang="en-US" dirty="0"/>
@@ -972,7 +972,7 @@
           </a:lstStyle>
           <a:p>
             <a:r>
-              <a:rPr lang="en-US" smtClean="0"/>
+              <a:rPr lang="en-US"/>
               <a:t>Click to edit Master title style</a:t>
             </a:r>
             <a:endParaRPr lang="en-US" dirty="0"/>
@@ -1019,7 +1019,7 @@
           <a:p>
             <a:pPr lvl="0"/>
             <a:r>
-              <a:rPr lang="en-US" noProof="0" dirty="0" smtClean="0"/>
+              <a:rPr lang="en-US" noProof="0" dirty="0"/>
               <a:t>Click icon to add picture</a:t>
             </a:r>
             <a:endParaRPr lang="en-GB" noProof="0" dirty="0"/>
@@ -1077,28 +1077,28 @@
           <a:p>
             <a:pPr lvl="0"/>
             <a:r>
-              <a:rPr lang="en-US" smtClean="0"/>
+              <a:rPr lang="en-US"/>
               <a:t>Edit Master text styles</a:t>
             </a:r>
           </a:p>
           <a:p>
             <a:pPr lvl="1"/>
             <a:r>
-              <a:rPr lang="en-US" smtClean="0"/>
+              <a:rPr lang="en-US"/>
               <a:t>Second level</a:t>
             </a:r>
           </a:p>
           <a:p>
             <a:pPr lvl="2"/>
             <a:r>
-              <a:rPr lang="en-US" smtClean="0"/>
+              <a:rPr lang="en-US"/>
               <a:t>Third level</a:t>
             </a:r>
           </a:p>
           <a:p>
             <a:pPr lvl="3"/>
             <a:r>
-              <a:rPr lang="en-US" smtClean="0"/>
+              <a:rPr lang="en-US"/>
               <a:t>Fourth level</a:t>
             </a:r>
           </a:p>
@@ -1203,7 +1203,7 @@
           </a:lstStyle>
           <a:p>
             <a:r>
-              <a:rPr lang="en-US" smtClean="0"/>
+              <a:rPr lang="en-US"/>
               <a:t>Click to edit Master title style</a:t>
             </a:r>
             <a:endParaRPr lang="en-US" dirty="0"/>
@@ -1261,28 +1261,28 @@
           <a:p>
             <a:pPr lvl="0"/>
             <a:r>
-              <a:rPr lang="en-US" smtClean="0"/>
+              <a:rPr lang="en-US"/>
               <a:t>Edit Master text styles</a:t>
             </a:r>
           </a:p>
           <a:p>
             <a:pPr lvl="1"/>
             <a:r>
-              <a:rPr lang="en-US" smtClean="0"/>
+              <a:rPr lang="en-US"/>
               <a:t>Second level</a:t>
             </a:r>
           </a:p>
           <a:p>
             <a:pPr lvl="2"/>
             <a:r>
-              <a:rPr lang="en-US" smtClean="0"/>
+              <a:rPr lang="en-US"/>
               <a:t>Third level</a:t>
             </a:r>
           </a:p>
           <a:p>
             <a:pPr lvl="3"/>
             <a:r>
-              <a:rPr lang="en-US" smtClean="0"/>
+              <a:rPr lang="en-US"/>
               <a:t>Fourth level</a:t>
             </a:r>
           </a:p>
@@ -1362,7 +1362,7 @@
           </a:lstStyle>
           <a:p>
             <a:r>
-              <a:rPr lang="en-US" smtClean="0"/>
+              <a:rPr lang="en-US"/>
               <a:t>Click to edit Master title style</a:t>
             </a:r>
             <a:endParaRPr lang="en-US" dirty="0"/>
@@ -1436,7 +1436,7 @@
           </a:lstStyle>
           <a:p>
             <a:r>
-              <a:rPr lang="en-US" smtClean="0"/>
+              <a:rPr lang="en-US"/>
               <a:t>Click to edit Master subtitle style</a:t>
             </a:r>
             <a:endParaRPr lang="en-US" dirty="0"/>
@@ -1508,7 +1508,7 @@
               <a:pPr>
                 <a:defRPr/>
               </a:pPr>
-              <a:t>09/10/2018</a:t>
+              <a:t>28/02/2023</a:t>
             </a:fld>
             <a:endParaRPr lang="en-GB" dirty="0"/>
           </a:p>
@@ -1845,35 +1845,35 @@
           <a:p>
             <a:pPr lvl="0"/>
             <a:r>
-              <a:rPr lang="en-US" altLang="en-US" smtClean="0"/>
+              <a:rPr lang="en-US" altLang="en-US"/>
               <a:t>Edit Master text styles</a:t>
             </a:r>
           </a:p>
           <a:p>
             <a:pPr lvl="1"/>
             <a:r>
-              <a:rPr lang="en-US" altLang="en-US" smtClean="0"/>
+              <a:rPr lang="en-US" altLang="en-US"/>
               <a:t>Second level</a:t>
             </a:r>
           </a:p>
           <a:p>
             <a:pPr lvl="2"/>
             <a:r>
-              <a:rPr lang="en-US" altLang="en-US" smtClean="0"/>
+              <a:rPr lang="en-US" altLang="en-US"/>
               <a:t>Third level</a:t>
             </a:r>
           </a:p>
           <a:p>
             <a:pPr lvl="3"/>
             <a:r>
-              <a:rPr lang="en-US" altLang="en-US" smtClean="0"/>
+              <a:rPr lang="en-US" altLang="en-US"/>
               <a:t>Fourth level</a:t>
             </a:r>
           </a:p>
           <a:p>
             <a:pPr lvl="4"/>
             <a:r>
-              <a:rPr lang="en-US" altLang="en-US" smtClean="0"/>
+              <a:rPr lang="en-US" altLang="en-US"/>
               <a:t>Fifth level</a:t>
             </a:r>
           </a:p>
@@ -2091,10 +2091,10 @@
           <a:p>
             <a:pPr lvl="0"/>
             <a:r>
-              <a:rPr lang="en-US" altLang="en-US" smtClean="0"/>
+              <a:rPr lang="en-US" altLang="en-US"/>
               <a:t>Click to edit Master title style</a:t>
             </a:r>
-            <a:endParaRPr lang="en-GB" altLang="en-US" smtClean="0"/>
+            <a:endParaRPr lang="en-GB" altLang="en-US"/>
           </a:p>
         </p:txBody>
       </p:sp>
@@ -2590,7 +2590,7 @@
           <a:lstStyle/>
           <a:p>
             <a:r>
-              <a:rPr lang="en-GB" altLang="en-US" smtClean="0"/>
+              <a:rPr lang="en-GB" altLang="en-US"/>
               <a:t>Read and Write Data</a:t>
             </a:r>
           </a:p>
@@ -2617,7 +2617,7 @@
           <a:lstStyle/>
           <a:p>
             <a:r>
-              <a:rPr lang="en-GB" altLang="en-US" smtClean="0"/>
+              <a:rPr lang="en-GB" altLang="en-US"/>
               <a:t>Overview of NetCDF</a:t>
             </a:r>
           </a:p>
@@ -2715,33 +2715,22 @@
                 <a:latin typeface="+mn-lt"/>
                 <a:cs typeface="Calibri" panose="020F0502020204030204" pitchFamily="34" charset="0"/>
               </a:rPr>
-              <a:t>, </a:t>
+              <a:t>, the </a:t>
+            </a:r>
+            <a:r>
+              <a:rPr lang="en-GB" sz="1400" dirty="0" err="1">
+                <a:latin typeface="+mn-lt"/>
+                <a:cs typeface="Calibri" panose="020F0502020204030204" pitchFamily="34" charset="0"/>
+              </a:rPr>
+              <a:t>Unidata</a:t>
             </a:r>
             <a:r>
               <a:rPr lang="en-GB" sz="1400" dirty="0">
                 <a:latin typeface="+mn-lt"/>
                 <a:cs typeface="Calibri" panose="020F0502020204030204" pitchFamily="34" charset="0"/>
               </a:rPr>
-              <a:t>the </a:t>
-            </a:r>
-            <a:r>
-              <a:rPr lang="en-GB" sz="1400" dirty="0" err="1">
-                <a:latin typeface="+mn-lt"/>
-                <a:cs typeface="Calibri" panose="020F0502020204030204" pitchFamily="34" charset="0"/>
-              </a:rPr>
-              <a:t>Unidata</a:t>
-            </a:r>
-            <a:r>
-              <a:rPr lang="en-GB" sz="1400" dirty="0">
-                <a:latin typeface="+mn-lt"/>
-                <a:cs typeface="Calibri" panose="020F0502020204030204" pitchFamily="34" charset="0"/>
-              </a:rPr>
               <a:t> team.</a:t>
             </a:r>
-            <a:endParaRPr lang="en-GB" sz="1400" dirty="0">
-              <a:latin typeface="+mn-lt"/>
-              <a:cs typeface="Calibri" panose="020F0502020204030204" pitchFamily="34" charset="0"/>
-            </a:endParaRPr>
           </a:p>
         </p:txBody>
       </p:sp>
@@ -2791,7 +2780,7 @@
           <a:lstStyle/>
           <a:p>
             <a:r>
-              <a:rPr lang="en-GB" altLang="en-US" b="1" smtClean="0"/>
+              <a:rPr lang="en-GB" altLang="en-US" b="1"/>
               <a:t>What is NetCDF?</a:t>
             </a:r>
           </a:p>
@@ -3260,7 +3249,7 @@
           <a:lstStyle/>
           <a:p>
             <a:r>
-              <a:rPr lang="en-GB" altLang="en-US" b="1" smtClean="0"/>
+              <a:rPr lang="en-GB" altLang="en-US" b="1"/>
               <a:t>What is netCDF, really?</a:t>
             </a:r>
           </a:p>
@@ -3860,14 +3849,14 @@
           <a:lstStyle/>
           <a:p>
             <a:r>
-              <a:rPr lang="en-GB" altLang="en-US" b="1" smtClean="0"/>
+              <a:rPr lang="en-GB" altLang="en-US" b="1"/>
               <a:t>However, we only use </a:t>
             </a:r>
             <a:br>
-              <a:rPr lang="en-GB" altLang="en-US" b="1" smtClean="0"/>
+              <a:rPr lang="en-GB" altLang="en-US" b="1"/>
             </a:br>
             <a:r>
-              <a:rPr lang="en-GB" altLang="en-US" b="1" smtClean="0"/>
+              <a:rPr lang="en-GB" altLang="en-US" b="1"/>
               <a:t>one of these</a:t>
             </a:r>
           </a:p>
@@ -4103,13 +4092,6 @@
   <p:clrMapOvr>
     <a:masterClrMapping/>
   </p:clrMapOvr>
-  <p:timing>
-    <p:tnLst>
-      <p:par>
-        <p:cTn id="1" dur="indefinite" restart="never" nodeType="tmRoot"/>
-      </p:par>
-    </p:tnLst>
-  </p:timing>
 </p:sld>
 </file>
 
@@ -4151,7 +4133,7 @@
           <a:lstStyle/>
           <a:p>
             <a:r>
-              <a:rPr lang="en-GB" altLang="en-US" b="1" smtClean="0"/>
+              <a:rPr lang="en-GB" altLang="en-US" b="1"/>
               <a:t>NetCDF Features</a:t>
             </a:r>
           </a:p>
@@ -4617,7 +4599,7 @@
           <a:lstStyle/>
           <a:p>
             <a:r>
-              <a:rPr lang="en-GB" altLang="en-US" b="1" smtClean="0"/>
+              <a:rPr lang="en-GB" altLang="en-US" b="1"/>
               <a:t>NetCDF Features</a:t>
             </a:r>
           </a:p>
@@ -5151,7 +5133,7 @@
           <a:lstStyle/>
           <a:p>
             <a:r>
-              <a:rPr lang="en-GB" altLang="en-US" b="1" smtClean="0"/>
+              <a:rPr lang="en-GB" altLang="en-US" b="1"/>
               <a:t>NetCDF's niche</a:t>
             </a:r>
           </a:p>
@@ -5314,13 +5296,6 @@
   <p:clrMapOvr>
     <a:masterClrMapping/>
   </p:clrMapOvr>
-  <p:timing>
-    <p:tnLst>
-      <p:par>
-        <p:cTn id="1" dur="indefinite" restart="never" nodeType="tmRoot"/>
-      </p:par>
-    </p:tnLst>
-  </p:timing>
 </p:sld>
 </file>
 
@@ -5572,7 +5547,7 @@
         <p:spPr bwMode="auto">
           <a:xfrm>
             <a:off x="684213" y="1417638"/>
-            <a:ext cx="8208962" cy="4494212"/>
+            <a:ext cx="8208962" cy="4247317"/>
           </a:xfrm>
           <a:prstGeom prst="rect">
             <a:avLst/>
@@ -5775,10 +5750,10 @@
               <a:buNone/>
             </a:pPr>
             <a:r>
-              <a:rPr lang="en-GB" altLang="en-US" sz="2800">
-                <a:cs typeface="Calibri" panose="020F0502020204030204" pitchFamily="34" charset="0"/>
-              </a:rPr>
-              <a:t>Download an appropriate release from:</a:t>
+              <a:rPr lang="en-GB" altLang="en-US" sz="2800" dirty="0">
+                <a:cs typeface="Calibri" panose="020F0502020204030204" pitchFamily="34" charset="0"/>
+              </a:rPr>
+              <a:t>See documentation:</a:t>
             </a:r>
           </a:p>
           <a:p>
@@ -5792,7 +5767,7 @@
               <a:buFontTx/>
               <a:buNone/>
             </a:pPr>
-            <a:endParaRPr lang="en-GB" altLang="en-US" sz="1400">
+            <a:endParaRPr lang="en-GB" altLang="en-US" sz="1400" dirty="0">
               <a:cs typeface="Calibri" panose="020F0502020204030204" pitchFamily="34" charset="0"/>
             </a:endParaRPr>
           </a:p>
@@ -5808,19 +5783,19 @@
               <a:buNone/>
             </a:pPr>
             <a:r>
-              <a:rPr lang="en-GB" altLang="en-US" sz="2800">
-                <a:cs typeface="Calibri" panose="020F0502020204030204" pitchFamily="34" charset="0"/>
-              </a:rPr>
-              <a:t>   </a:t>
-            </a:r>
-            <a:r>
-              <a:rPr lang="en-GB" altLang="en-US">
+              <a:rPr lang="en-GB" altLang="en-US" sz="2800" dirty="0">
+                <a:cs typeface="Calibri" panose="020F0502020204030204" pitchFamily="34" charset="0"/>
+              </a:rPr>
+              <a:t> </a:t>
+            </a:r>
+            <a:r>
+              <a:rPr lang="en-GB" altLang="en-US" sz="2800" dirty="0">
                 <a:cs typeface="Calibri" panose="020F0502020204030204" pitchFamily="34" charset="0"/>
                 <a:hlinkClick r:id="rId2"/>
               </a:rPr>
-              <a:t>http://www.unidata.ucar.edu/downloads/netcdf/index.jsp</a:t>
-            </a:r>
-            <a:endParaRPr lang="en-GB" altLang="en-US">
+              <a:t>https://downloads.unidata.ucar.edu/netcdf/</a:t>
+            </a:r>
+            <a:endParaRPr lang="en-GB" altLang="en-US" sz="2800" dirty="0">
               <a:cs typeface="Calibri" panose="020F0502020204030204" pitchFamily="34" charset="0"/>
             </a:endParaRPr>
           </a:p>
@@ -5835,7 +5810,7 @@
               <a:buFontTx/>
               <a:buNone/>
             </a:pPr>
-            <a:endParaRPr lang="en-GB" altLang="en-US" sz="1400">
+            <a:endParaRPr lang="en-GB" altLang="en-US" sz="1400" dirty="0">
               <a:cs typeface="Calibri" panose="020F0502020204030204" pitchFamily="34" charset="0"/>
             </a:endParaRPr>
           </a:p>
@@ -5851,7 +5826,7 @@
               <a:buNone/>
             </a:pPr>
             <a:r>
-              <a:rPr lang="en-GB" altLang="en-US">
+              <a:rPr lang="en-GB" altLang="en-US" dirty="0">
                 <a:cs typeface="Calibri" panose="020F0502020204030204" pitchFamily="34" charset="0"/>
               </a:rPr>
               <a:t>(If you want python-netCDF to work you will need the NetCDF libraries written in C).</a:t>
@@ -5868,7 +5843,7 @@
               <a:buFontTx/>
               <a:buNone/>
             </a:pPr>
-            <a:endParaRPr lang="en-GB" altLang="en-US" sz="1400">
+            <a:endParaRPr lang="en-GB" altLang="en-US" sz="1400" dirty="0">
               <a:cs typeface="Calibri" panose="020F0502020204030204" pitchFamily="34" charset="0"/>
             </a:endParaRPr>
           </a:p>
@@ -5884,10 +5859,10 @@
               <a:buNone/>
             </a:pPr>
             <a:r>
-              <a:rPr lang="en-GB" altLang="en-US" sz="2800">
-                <a:cs typeface="Calibri" panose="020F0502020204030204" pitchFamily="34" charset="0"/>
-              </a:rPr>
-              <a:t>To install, see the installation guide at:</a:t>
+              <a:rPr lang="en-GB" altLang="en-US" sz="2800" dirty="0">
+                <a:cs typeface="Calibri" panose="020F0502020204030204" pitchFamily="34" charset="0"/>
+              </a:rPr>
+              <a:t>To install for Python, you can normally just do:</a:t>
             </a:r>
           </a:p>
           <a:p>
@@ -5901,7 +5876,7 @@
               <a:buFontTx/>
               <a:buNone/>
             </a:pPr>
-            <a:endParaRPr lang="en-GB" altLang="en-US" sz="1200">
+            <a:endParaRPr lang="en-GB" altLang="en-US" sz="1200" dirty="0">
               <a:cs typeface="Calibri" panose="020F0502020204030204" pitchFamily="34" charset="0"/>
             </a:endParaRPr>
           </a:p>
@@ -5917,20 +5892,46 @@
               <a:buNone/>
             </a:pPr>
             <a:r>
-              <a:rPr lang="en-GB" altLang="en-US">
-                <a:cs typeface="Calibri" panose="020F0502020204030204" pitchFamily="34" charset="0"/>
-              </a:rPr>
-              <a:t>    </a:t>
-            </a:r>
-            <a:r>
-              <a:rPr lang="en-GB" altLang="en-US" sz="2000">
-                <a:cs typeface="Calibri" panose="020F0502020204030204" pitchFamily="34" charset="0"/>
-                <a:hlinkClick r:id="rId3"/>
-              </a:rPr>
-              <a:t>http://www.unidata.ucar.edu/software/netcdf/docs/netcdf-install/</a:t>
-            </a:r>
-            <a:endParaRPr lang="en-GB" altLang="en-US" sz="2000">
+              <a:rPr lang="en-GB" altLang="en-US" dirty="0">
+                <a:latin typeface="Courier New" panose="02070309020205020404" pitchFamily="49" charset="0"/>
+                <a:cs typeface="Courier New" panose="02070309020205020404" pitchFamily="49" charset="0"/>
+              </a:rPr>
+              <a:t>  pip install netCDF4</a:t>
+            </a:r>
+          </a:p>
+          <a:p>
+            <a:pPr eaLnBrk="1" hangingPunct="1">
+              <a:lnSpc>
+                <a:spcPct val="100000"/>
+              </a:lnSpc>
+              <a:spcBef>
+                <a:spcPct val="0"/>
+              </a:spcBef>
+              <a:buNone/>
+            </a:pPr>
+            <a:endParaRPr lang="en-GB" altLang="en-US" sz="1000" dirty="0">
               <a:cs typeface="Calibri" panose="020F0502020204030204" pitchFamily="34" charset="0"/>
+            </a:endParaRPr>
+          </a:p>
+          <a:p>
+            <a:pPr eaLnBrk="1" hangingPunct="1">
+              <a:lnSpc>
+                <a:spcPct val="100000"/>
+              </a:lnSpc>
+              <a:spcBef>
+                <a:spcPct val="0"/>
+              </a:spcBef>
+              <a:buNone/>
+            </a:pPr>
+            <a:r>
+              <a:rPr lang="en-GB" altLang="en-US" dirty="0">
+                <a:cs typeface="Calibri" panose="020F0502020204030204" pitchFamily="34" charset="0"/>
+              </a:rPr>
+              <a:t>or:</a:t>
+            </a:r>
+            <a:endParaRPr lang="en-GB" altLang="en-US" dirty="0">
+              <a:latin typeface="Courier New" panose="02070309020205020404" pitchFamily="49" charset="0"/>
+              <a:cs typeface="Courier New" panose="02070309020205020404" pitchFamily="49" charset="0"/>
             </a:endParaRPr>
           </a:p>
           <a:p>
@@ -5944,26 +5945,12 @@
               <a:buFontTx/>
               <a:buNone/>
             </a:pPr>
-            <a:endParaRPr lang="en-GB" altLang="en-US" sz="2000">
-              <a:cs typeface="Calibri" panose="020F0502020204030204" pitchFamily="34" charset="0"/>
-            </a:endParaRPr>
-          </a:p>
-          <a:p>
-            <a:pPr eaLnBrk="1" hangingPunct="1">
-              <a:lnSpc>
-                <a:spcPct val="100000"/>
-              </a:lnSpc>
-              <a:spcBef>
-                <a:spcPct val="0"/>
-              </a:spcBef>
-              <a:buFontTx/>
-              <a:buNone/>
-            </a:pPr>
-            <a:r>
-              <a:rPr lang="en-GB" altLang="en-US" sz="2800">
-                <a:cs typeface="Calibri" panose="020F0502020204030204" pitchFamily="34" charset="0"/>
-              </a:rPr>
-              <a:t>However, you should be able to pick up binary and RPM distributions for most computing environments.</a:t>
+            <a:r>
+              <a:rPr lang="en-GB" altLang="en-US" dirty="0">
+                <a:latin typeface="Courier New" panose="02070309020205020404" pitchFamily="49" charset="0"/>
+                <a:cs typeface="Courier New" panose="02070309020205020404" pitchFamily="49" charset="0"/>
+              </a:rPr>
+              <a:t>  conda install -c conda-forge netcdf4</a:t>
             </a:r>
           </a:p>
         </p:txBody>
@@ -6024,15 +6011,33 @@
                                   </p:childTnLst>
                                 </p:cTn>
                               </p:par>
+                            </p:childTnLst>
+                          </p:cTn>
+                        </p:par>
+                      </p:childTnLst>
+                    </p:cTn>
+                  </p:par>
+                  <p:par>
+                    <p:cTn id="7" fill="hold">
+                      <p:stCondLst>
+                        <p:cond delay="indefinite"/>
+                      </p:stCondLst>
+                      <p:childTnLst>
+                        <p:par>
+                          <p:cTn id="8" fill="hold">
+                            <p:stCondLst>
+                              <p:cond delay="0"/>
+                            </p:stCondLst>
+                            <p:childTnLst>
                               <p:par>
-                                <p:cTn id="7" presetID="1" presetClass="entr" presetSubtype="0" fill="hold" nodeType="withEffect">
+                                <p:cTn id="9" presetID="1" presetClass="entr" presetSubtype="0" fill="hold" nodeType="clickEffect">
                                   <p:stCondLst>
                                     <p:cond delay="0"/>
                                   </p:stCondLst>
                                   <p:childTnLst>
                                     <p:set>
                                       <p:cBhvr>
-                                        <p:cTn id="8" dur="1" fill="hold">
+                                        <p:cTn id="10" dur="1" fill="hold">
                                           <p:stCondLst>
                                             <p:cond delay="0"/>
                                           </p:stCondLst>
@@ -6055,15 +6060,33 @@
                                   </p:childTnLst>
                                 </p:cTn>
                               </p:par>
+                            </p:childTnLst>
+                          </p:cTn>
+                        </p:par>
+                      </p:childTnLst>
+                    </p:cTn>
+                  </p:par>
+                  <p:par>
+                    <p:cTn id="11" fill="hold">
+                      <p:stCondLst>
+                        <p:cond delay="indefinite"/>
+                      </p:stCondLst>
+                      <p:childTnLst>
+                        <p:par>
+                          <p:cTn id="12" fill="hold">
+                            <p:stCondLst>
+                              <p:cond delay="0"/>
+                            </p:stCondLst>
+                            <p:childTnLst>
                               <p:par>
-                                <p:cTn id="9" presetID="1" presetClass="entr" presetSubtype="0" fill="hold" nodeType="withEffect">
+                                <p:cTn id="13" presetID="1" presetClass="entr" presetSubtype="0" fill="hold" nodeType="clickEffect">
                                   <p:stCondLst>
                                     <p:cond delay="0"/>
                                   </p:stCondLst>
                                   <p:childTnLst>
                                     <p:set>
                                       <p:cBhvr>
-                                        <p:cTn id="10" dur="1" fill="hold">
+                                        <p:cTn id="14" dur="1" fill="hold">
                                           <p:stCondLst>
                                             <p:cond delay="0"/>
                                           </p:stCondLst>
@@ -6072,6 +6095,55 @@
                                           <p:spTgt spid="9219">
                                             <p:txEl>
                                               <p:pRg st="10" end="10"/>
+                                            </p:txEl>
+                                          </p:spTgt>
+                                        </p:tgtEl>
+                                        <p:attrNameLst>
+                                          <p:attrName>style.visibility</p:attrName>
+                                        </p:attrNameLst>
+                                      </p:cBhvr>
+                                      <p:to>
+                                        <p:strVal val="visible"/>
+                                      </p:to>
+                                    </p:set>
+                                  </p:childTnLst>
+                                </p:cTn>
+                              </p:par>
+                            </p:childTnLst>
+                          </p:cTn>
+                        </p:par>
+                      </p:childTnLst>
+                    </p:cTn>
+                  </p:par>
+                  <p:par>
+                    <p:cTn id="15" fill="hold">
+                      <p:stCondLst>
+                        <p:cond delay="indefinite"/>
+                      </p:stCondLst>
+                      <p:childTnLst>
+                        <p:par>
+                          <p:cTn id="16" fill="hold">
+                            <p:stCondLst>
+                              <p:cond delay="0"/>
+                            </p:stCondLst>
+                            <p:childTnLst>
+                              <p:par>
+                                <p:cTn id="17" presetID="1" presetClass="entr" presetSubtype="0" fill="hold" nodeType="clickEffect">
+                                  <p:stCondLst>
+                                    <p:cond delay="0"/>
+                                  </p:stCondLst>
+                                  <p:childTnLst>
+                                    <p:set>
+                                      <p:cBhvr>
+                                        <p:cTn id="18" dur="1" fill="hold">
+                                          <p:stCondLst>
+                                            <p:cond delay="0"/>
+                                          </p:stCondLst>
+                                        </p:cTn>
+                                        <p:tgtEl>
+                                          <p:spTgt spid="9219">
+                                            <p:txEl>
+                                              <p:pRg st="11" end="11"/>
                                             </p:txEl>
                                           </p:spTgt>
                                         </p:tgtEl>
@@ -6571,7 +6643,19 @@
               <a:rPr lang="en-GB" altLang="en-US" sz="2800">
                 <a:cs typeface="Calibri" panose="020F0502020204030204" pitchFamily="34" charset="0"/>
               </a:rPr>
-              <a:t>The material presented here was primarily taken from the Unidata NetCDF workshop notes at:</a:t>
+              <a:t>The material presented here was primarily taken from the </a:t>
+            </a:r>
+            <a:r>
+              <a:rPr lang="en-GB" altLang="en-US" sz="2800" dirty="0" err="1">
+                <a:cs typeface="Calibri" panose="020F0502020204030204" pitchFamily="34" charset="0"/>
+              </a:rPr>
+              <a:t>Unidata</a:t>
+            </a:r>
+            <a:r>
+              <a:rPr lang="en-GB" altLang="en-US" sz="2800" dirty="0">
+                <a:cs typeface="Calibri" panose="020F0502020204030204" pitchFamily="34" charset="0"/>
+              </a:rPr>
+              <a:t> NetCDF workshop notes at:</a:t>
             </a:r>
           </a:p>
           <a:p>
@@ -6585,7 +6669,7 @@
               <a:buFontTx/>
               <a:buNone/>
             </a:pPr>
-            <a:endParaRPr lang="en-GB" altLang="en-US" sz="2800">
+            <a:endParaRPr lang="en-GB" altLang="en-US" sz="2800" dirty="0">
               <a:cs typeface="Calibri" panose="020F0502020204030204" pitchFamily="34" charset="0"/>
             </a:endParaRPr>
           </a:p>
@@ -6601,13 +6685,13 @@
               <a:buNone/>
             </a:pPr>
             <a:r>
-              <a:rPr lang="en-GB" altLang="en-US">
+              <a:rPr lang="en-GB" altLang="en-US" dirty="0">
                 <a:cs typeface="Calibri" panose="020F0502020204030204" pitchFamily="34" charset="0"/>
                 <a:hlinkClick r:id="rId2"/>
               </a:rPr>
               <a:t>http://www.unidata.ucar.edu/software/netcdf/workshops/2012</a:t>
             </a:r>
-            <a:endParaRPr lang="en-GB" altLang="en-US">
+            <a:endParaRPr lang="en-GB" altLang="en-US" dirty="0">
               <a:cs typeface="Calibri" panose="020F0502020204030204" pitchFamily="34" charset="0"/>
             </a:endParaRPr>
           </a:p>
@@ -6622,7 +6706,7 @@
               <a:buFontTx/>
               <a:buNone/>
             </a:pPr>
-            <a:endParaRPr lang="en-GB" altLang="en-US">
+            <a:endParaRPr lang="en-GB" altLang="en-US" dirty="0">
               <a:cs typeface="Calibri" panose="020F0502020204030204" pitchFamily="34" charset="0"/>
             </a:endParaRPr>
           </a:p>
@@ -6633,13 +6717,6 @@
   <p:clrMapOvr>
     <a:masterClrMapping/>
   </p:clrMapOvr>
-  <p:timing>
-    <p:tnLst>
-      <p:par>
-        <p:cTn id="1" dur="indefinite" restart="never" nodeType="tmRoot"/>
-      </p:par>
-    </p:tnLst>
-  </p:timing>
 </p:sld>
 </file>
 
